--- a/pptx_templates/Minimalist_sales_pitch.pptx
+++ b/pptx_templates/Minimalist_sales_pitch.pptx
@@ -10,6 +10,7 @@
   <p:handoutMasterIdLst>
     <p:handoutMasterId r:id="rId6"/>
   </p:handoutMasterIdLst>
+  <p:sldIdLst/>
   <p:sldSz cx="12192000" cy="6858000"/>
   <p:notesSz cx="6858000" cy="9144000"/>
   <p:defaultTextStyle>
